--- a/src/main/resources/BENZA_FORNALI_SDC.pptx
+++ b/src/main/resources/BENZA_FORNALI_SDC.pptx
@@ -204,7 +204,7 @@
           <a:p>
             <a:fld id="{FE48DB3C-5E58-8846-9F38-4230B5EADAE9}" type="datetimeFigureOut">
               <a:rPr lang="fr-FR" smtClean="0"/>
-              <a:t>13/11/2018</a:t>
+              <a:t>14/11/2018</a:t>
             </a:fld>
             <a:endParaRPr lang="fr-FR"/>
           </a:p>
@@ -1265,7 +1265,7 @@
           <a:p>
             <a:fld id="{C5D8EEE4-8649-A544-8340-78E7CEAD443E}" type="datetimeFigureOut">
               <a:rPr lang="fr-FR" smtClean="0"/>
-              <a:t>13/11/2018</a:t>
+              <a:t>14/11/2018</a:t>
             </a:fld>
             <a:endParaRPr lang="fr-FR"/>
           </a:p>
@@ -1438,7 +1438,7 @@
           <a:p>
             <a:fld id="{C5D8EEE4-8649-A544-8340-78E7CEAD443E}" type="datetimeFigureOut">
               <a:rPr lang="fr-FR" smtClean="0"/>
-              <a:t>13/11/2018</a:t>
+              <a:t>14/11/2018</a:t>
             </a:fld>
             <a:endParaRPr lang="fr-FR"/>
           </a:p>
@@ -1621,7 +1621,7 @@
           <a:p>
             <a:fld id="{C5D8EEE4-8649-A544-8340-78E7CEAD443E}" type="datetimeFigureOut">
               <a:rPr lang="fr-FR" smtClean="0"/>
-              <a:t>13/11/2018</a:t>
+              <a:t>14/11/2018</a:t>
             </a:fld>
             <a:endParaRPr lang="fr-FR"/>
           </a:p>
@@ -1794,7 +1794,7 @@
           <a:p>
             <a:fld id="{C5D8EEE4-8649-A544-8340-78E7CEAD443E}" type="datetimeFigureOut">
               <a:rPr lang="fr-FR" smtClean="0"/>
-              <a:t>13/11/2018</a:t>
+              <a:t>14/11/2018</a:t>
             </a:fld>
             <a:endParaRPr lang="fr-FR"/>
           </a:p>
@@ -2072,7 +2072,7 @@
           <a:p>
             <a:fld id="{C5D8EEE4-8649-A544-8340-78E7CEAD443E}" type="datetimeFigureOut">
               <a:rPr lang="fr-FR" smtClean="0"/>
-              <a:t>13/11/2018</a:t>
+              <a:t>14/11/2018</a:t>
             </a:fld>
             <a:endParaRPr lang="fr-FR"/>
           </a:p>
@@ -2287,7 +2287,7 @@
           <a:p>
             <a:fld id="{C5D8EEE4-8649-A544-8340-78E7CEAD443E}" type="datetimeFigureOut">
               <a:rPr lang="fr-FR" smtClean="0"/>
-              <a:t>13/11/2018</a:t>
+              <a:t>14/11/2018</a:t>
             </a:fld>
             <a:endParaRPr lang="fr-FR"/>
           </a:p>
@@ -2655,7 +2655,7 @@
           <a:p>
             <a:fld id="{C5D8EEE4-8649-A544-8340-78E7CEAD443E}" type="datetimeFigureOut">
               <a:rPr lang="fr-FR" smtClean="0"/>
-              <a:t>13/11/2018</a:t>
+              <a:t>14/11/2018</a:t>
             </a:fld>
             <a:endParaRPr lang="fr-FR"/>
           </a:p>
@@ -2796,7 +2796,7 @@
           <a:p>
             <a:fld id="{C5D8EEE4-8649-A544-8340-78E7CEAD443E}" type="datetimeFigureOut">
               <a:rPr lang="fr-FR" smtClean="0"/>
-              <a:t>13/11/2018</a:t>
+              <a:t>14/11/2018</a:t>
             </a:fld>
             <a:endParaRPr lang="fr-FR"/>
           </a:p>
@@ -2909,7 +2909,7 @@
           <a:p>
             <a:fld id="{C5D8EEE4-8649-A544-8340-78E7CEAD443E}" type="datetimeFigureOut">
               <a:rPr lang="fr-FR" smtClean="0"/>
-              <a:t>13/11/2018</a:t>
+              <a:t>14/11/2018</a:t>
             </a:fld>
             <a:endParaRPr lang="fr-FR"/>
           </a:p>
@@ -3198,7 +3198,7 @@
           <a:p>
             <a:fld id="{C5D8EEE4-8649-A544-8340-78E7CEAD443E}" type="datetimeFigureOut">
               <a:rPr lang="fr-FR" smtClean="0"/>
-              <a:t>13/11/2018</a:t>
+              <a:t>14/11/2018</a:t>
             </a:fld>
             <a:endParaRPr lang="fr-FR"/>
           </a:p>
@@ -3489,7 +3489,7 @@
           <a:p>
             <a:fld id="{C5D8EEE4-8649-A544-8340-78E7CEAD443E}" type="datetimeFigureOut">
               <a:rPr lang="fr-FR" smtClean="0"/>
-              <a:t>13/11/2018</a:t>
+              <a:t>14/11/2018</a:t>
             </a:fld>
             <a:endParaRPr lang="fr-FR"/>
           </a:p>
@@ -3705,7 +3705,7 @@
           <a:p>
             <a:fld id="{C5D8EEE4-8649-A544-8340-78E7CEAD443E}" type="datetimeFigureOut">
               <a:rPr lang="fr-FR" smtClean="0"/>
-              <a:t>13/11/2018</a:t>
+              <a:t>14/11/2018</a:t>
             </a:fld>
             <a:endParaRPr lang="fr-FR"/>
           </a:p>
@@ -5387,10 +5387,10 @@
       </p:grpSpPr>
       <p:pic>
         <p:nvPicPr>
-          <p:cNvPr id="4" name="Image 3">
-            <a:extLst>
-              <a:ext uri="{FF2B5EF4-FFF2-40B4-BE49-F238E27FC236}">
-                <a16:creationId xmlns:a16="http://schemas.microsoft.com/office/drawing/2014/main" id="{4E13C1E2-1DCD-7746-A5BA-F339DAD57DA1}"/>
+          <p:cNvPr id="6" name="Image 5">
+            <a:extLst>
+              <a:ext uri="{FF2B5EF4-FFF2-40B4-BE49-F238E27FC236}">
+                <a16:creationId xmlns:a16="http://schemas.microsoft.com/office/drawing/2014/main" id="{A59C907D-C66E-B04F-817F-3B98A11E13DF}"/>
               </a:ext>
             </a:extLst>
           </p:cNvPr>
@@ -5401,35 +5401,6 @@
         </p:nvPicPr>
         <p:blipFill rotWithShape="1">
           <a:blip r:embed="rId4"/>
-          <a:srcRect l="1078" t="2709" r="203" b="2709"/>
-          <a:stretch/>
-        </p:blipFill>
-        <p:spPr>
-          <a:xfrm>
-            <a:off x="339969" y="2594315"/>
-            <a:ext cx="5685692" cy="3188679"/>
-          </a:xfrm>
-          <a:prstGeom prst="rect">
-            <a:avLst/>
-          </a:prstGeom>
-        </p:spPr>
-      </p:pic>
-      <p:pic>
-        <p:nvPicPr>
-          <p:cNvPr id="6" name="Image 5">
-            <a:extLst>
-              <a:ext uri="{FF2B5EF4-FFF2-40B4-BE49-F238E27FC236}">
-                <a16:creationId xmlns:a16="http://schemas.microsoft.com/office/drawing/2014/main" id="{A59C907D-C66E-B04F-817F-3B98A11E13DF}"/>
-              </a:ext>
-            </a:extLst>
-          </p:cNvPr>
-          <p:cNvPicPr>
-            <a:picLocks noChangeAspect="1"/>
-          </p:cNvPicPr>
-          <p:nvPr/>
-        </p:nvPicPr>
-        <p:blipFill rotWithShape="1">
-          <a:blip r:embed="rId5"/>
           <a:srcRect l="1230" t="2099" r="1333" b="2797"/>
           <a:stretch/>
         </p:blipFill>
@@ -5595,6 +5566,35 @@
           </a:p>
         </p:txBody>
       </p:sp>
+      <p:pic>
+        <p:nvPicPr>
+          <p:cNvPr id="3" name="Image 2">
+            <a:extLst>
+              <a:ext uri="{FF2B5EF4-FFF2-40B4-BE49-F238E27FC236}">
+                <a16:creationId xmlns:a16="http://schemas.microsoft.com/office/drawing/2014/main" id="{49DFE698-364E-FF4F-8211-B0933630CA00}"/>
+              </a:ext>
+            </a:extLst>
+          </p:cNvPr>
+          <p:cNvPicPr>
+            <a:picLocks noChangeAspect="1"/>
+          </p:cNvPicPr>
+          <p:nvPr/>
+        </p:nvPicPr>
+        <p:blipFill rotWithShape="1">
+          <a:blip r:embed="rId5"/>
+          <a:srcRect l="1265" t="2447" r="795" b="2447"/>
+          <a:stretch/>
+        </p:blipFill>
+        <p:spPr>
+          <a:xfrm>
+            <a:off x="530577" y="2594315"/>
+            <a:ext cx="5565423" cy="3188679"/>
+          </a:xfrm>
+          <a:prstGeom prst="rect">
+            <a:avLst/>
+          </a:prstGeom>
+        </p:spPr>
+      </p:pic>
     </p:spTree>
     <p:extLst>
       <p:ext uri="{BB962C8B-B14F-4D97-AF65-F5344CB8AC3E}">
@@ -5642,10 +5642,10 @@
       </p:grpSpPr>
       <p:pic>
         <p:nvPicPr>
-          <p:cNvPr id="4" name="Image 3">
-            <a:extLst>
-              <a:ext uri="{FF2B5EF4-FFF2-40B4-BE49-F238E27FC236}">
-                <a16:creationId xmlns:a16="http://schemas.microsoft.com/office/drawing/2014/main" id="{6D0FBB23-8B5D-ED4A-AE56-7B81FBA23B7F}"/>
+          <p:cNvPr id="6" name="Image 5">
+            <a:extLst>
+              <a:ext uri="{FF2B5EF4-FFF2-40B4-BE49-F238E27FC236}">
+                <a16:creationId xmlns:a16="http://schemas.microsoft.com/office/drawing/2014/main" id="{658FF4A5-BA2D-164A-84B7-495E5C47AD01}"/>
               </a:ext>
             </a:extLst>
           </p:cNvPr>
@@ -5656,35 +5656,6 @@
         </p:nvPicPr>
         <p:blipFill rotWithShape="1">
           <a:blip r:embed="rId4"/>
-          <a:srcRect l="1252" t="2279"/>
-          <a:stretch/>
-        </p:blipFill>
-        <p:spPr>
-          <a:xfrm>
-            <a:off x="369651" y="2570496"/>
-            <a:ext cx="5656010" cy="3251574"/>
-          </a:xfrm>
-          <a:prstGeom prst="rect">
-            <a:avLst/>
-          </a:prstGeom>
-        </p:spPr>
-      </p:pic>
-      <p:pic>
-        <p:nvPicPr>
-          <p:cNvPr id="6" name="Image 5">
-            <a:extLst>
-              <a:ext uri="{FF2B5EF4-FFF2-40B4-BE49-F238E27FC236}">
-                <a16:creationId xmlns:a16="http://schemas.microsoft.com/office/drawing/2014/main" id="{658FF4A5-BA2D-164A-84B7-495E5C47AD01}"/>
-              </a:ext>
-            </a:extLst>
-          </p:cNvPr>
-          <p:cNvPicPr>
-            <a:picLocks noChangeAspect="1"/>
-          </p:cNvPicPr>
-          <p:nvPr/>
-        </p:nvPicPr>
-        <p:blipFill rotWithShape="1">
-          <a:blip r:embed="rId5"/>
           <a:srcRect l="1246" t="2279"/>
           <a:stretch/>
         </p:blipFill>
@@ -5850,6 +5821,35 @@
           </a:p>
         </p:txBody>
       </p:sp>
+      <p:pic>
+        <p:nvPicPr>
+          <p:cNvPr id="4" name="Image 3">
+            <a:extLst>
+              <a:ext uri="{FF2B5EF4-FFF2-40B4-BE49-F238E27FC236}">
+                <a16:creationId xmlns:a16="http://schemas.microsoft.com/office/drawing/2014/main" id="{4F0A0C3B-C618-5345-A46C-59AA6DE7205B}"/>
+              </a:ext>
+            </a:extLst>
+          </p:cNvPr>
+          <p:cNvPicPr>
+            <a:picLocks noChangeAspect="1"/>
+          </p:cNvPicPr>
+          <p:nvPr/>
+        </p:nvPicPr>
+        <p:blipFill rotWithShape="1">
+          <a:blip r:embed="rId5"/>
+          <a:srcRect l="1317" t="2179" r="1488" b="3019"/>
+          <a:stretch/>
+        </p:blipFill>
+        <p:spPr>
+          <a:xfrm>
+            <a:off x="349624" y="2570496"/>
+            <a:ext cx="5695034" cy="3251574"/>
+          </a:xfrm>
+          <a:prstGeom prst="rect">
+            <a:avLst/>
+          </a:prstGeom>
+        </p:spPr>
+      </p:pic>
     </p:spTree>
     <p:extLst>
       <p:ext uri="{BB962C8B-B14F-4D97-AF65-F5344CB8AC3E}">
